--- a/parking-pass.pptx
+++ b/parking-pass.pptx
@@ -3593,7 +3593,7 @@
                 </a:solidFill>
                 <a:latin typeface="Berlin Sans FB" panose="020E0602020502020306" pitchFamily="34" charset="0"/>
               </a:rPr>
-              <a:t>Valid August 1 – September 30, 2018</a:t>
+              <a:t>Valid August 1 – August 31, 2018</a:t>
             </a:r>
           </a:p>
           <a:p>
@@ -3835,7 +3835,31 @@
                 </a:solidFill>
                 <a:latin typeface="Berlin Sans FB" panose="020E0602020502020306" pitchFamily="34" charset="0"/>
               </a:rPr>
-              <a:t>Valid August 1 – September 30, 2018</a:t>
+              <a:t>Valid August 1 </a:t>
+            </a:r>
+            <a:r>
+              <a:rPr lang="en-US" sz="1400">
+                <a:solidFill>
+                  <a:schemeClr val="tx1">
+                    <a:lumMod val="75000"/>
+                    <a:lumOff val="25000"/>
+                  </a:schemeClr>
+                </a:solidFill>
+                <a:latin typeface="Berlin Sans FB" panose="020E0602020502020306" pitchFamily="34" charset="0"/>
+              </a:rPr>
+              <a:t>– August 31, </a:t>
+            </a:r>
+            <a:r>
+              <a:rPr lang="en-US" sz="1400" dirty="0">
+                <a:solidFill>
+                  <a:schemeClr val="tx1">
+                    <a:lumMod val="75000"/>
+                    <a:lumOff val="25000"/>
+                  </a:schemeClr>
+                </a:solidFill>
+                <a:latin typeface="Berlin Sans FB" panose="020E0602020502020306" pitchFamily="34" charset="0"/>
+              </a:rPr>
+              <a:t>2018</a:t>
             </a:r>
           </a:p>
           <a:p>

--- a/parking-pass.pptx
+++ b/parking-pass.pptx
@@ -212,7 +212,7 @@
           <a:p>
             <a:fld id="{B9885196-91AC-474B-9CEB-56F8EDAD53EB}" type="datetimeFigureOut">
               <a:rPr lang="en-US" smtClean="0"/>
-              <a:t>8/20/2018</a:t>
+              <a:t>9/6/2018</a:t>
             </a:fld>
             <a:endParaRPr lang="en-US"/>
           </a:p>
@@ -699,7 +699,7 @@
           <a:p>
             <a:fld id="{1FDD7528-FECD-40E9-8848-8AC3F286F2C5}" type="datetimeFigureOut">
               <a:rPr lang="en-US" smtClean="0"/>
-              <a:t>8/20/2018</a:t>
+              <a:t>9/6/2018</a:t>
             </a:fld>
             <a:endParaRPr lang="en-US"/>
           </a:p>
@@ -869,7 +869,7 @@
           <a:p>
             <a:fld id="{1FDD7528-FECD-40E9-8848-8AC3F286F2C5}" type="datetimeFigureOut">
               <a:rPr lang="en-US" smtClean="0"/>
-              <a:t>8/20/2018</a:t>
+              <a:t>9/6/2018</a:t>
             </a:fld>
             <a:endParaRPr lang="en-US"/>
           </a:p>
@@ -1049,7 +1049,7 @@
           <a:p>
             <a:fld id="{1FDD7528-FECD-40E9-8848-8AC3F286F2C5}" type="datetimeFigureOut">
               <a:rPr lang="en-US" smtClean="0"/>
-              <a:t>8/20/2018</a:t>
+              <a:t>9/6/2018</a:t>
             </a:fld>
             <a:endParaRPr lang="en-US"/>
           </a:p>
@@ -1219,7 +1219,7 @@
           <a:p>
             <a:fld id="{1FDD7528-FECD-40E9-8848-8AC3F286F2C5}" type="datetimeFigureOut">
               <a:rPr lang="en-US" smtClean="0"/>
-              <a:t>8/20/2018</a:t>
+              <a:t>9/6/2018</a:t>
             </a:fld>
             <a:endParaRPr lang="en-US"/>
           </a:p>
@@ -1463,7 +1463,7 @@
           <a:p>
             <a:fld id="{1FDD7528-FECD-40E9-8848-8AC3F286F2C5}" type="datetimeFigureOut">
               <a:rPr lang="en-US" smtClean="0"/>
-              <a:t>8/20/2018</a:t>
+              <a:t>9/6/2018</a:t>
             </a:fld>
             <a:endParaRPr lang="en-US"/>
           </a:p>
@@ -1695,7 +1695,7 @@
           <a:p>
             <a:fld id="{1FDD7528-FECD-40E9-8848-8AC3F286F2C5}" type="datetimeFigureOut">
               <a:rPr lang="en-US" smtClean="0"/>
-              <a:t>8/20/2018</a:t>
+              <a:t>9/6/2018</a:t>
             </a:fld>
             <a:endParaRPr lang="en-US"/>
           </a:p>
@@ -2062,7 +2062,7 @@
           <a:p>
             <a:fld id="{1FDD7528-FECD-40E9-8848-8AC3F286F2C5}" type="datetimeFigureOut">
               <a:rPr lang="en-US" smtClean="0"/>
-              <a:t>8/20/2018</a:t>
+              <a:t>9/6/2018</a:t>
             </a:fld>
             <a:endParaRPr lang="en-US"/>
           </a:p>
@@ -2180,7 +2180,7 @@
           <a:p>
             <a:fld id="{1FDD7528-FECD-40E9-8848-8AC3F286F2C5}" type="datetimeFigureOut">
               <a:rPr lang="en-US" smtClean="0"/>
-              <a:t>8/20/2018</a:t>
+              <a:t>9/6/2018</a:t>
             </a:fld>
             <a:endParaRPr lang="en-US"/>
           </a:p>
@@ -2275,7 +2275,7 @@
           <a:p>
             <a:fld id="{1FDD7528-FECD-40E9-8848-8AC3F286F2C5}" type="datetimeFigureOut">
               <a:rPr lang="en-US" smtClean="0"/>
-              <a:t>8/20/2018</a:t>
+              <a:t>9/6/2018</a:t>
             </a:fld>
             <a:endParaRPr lang="en-US"/>
           </a:p>
@@ -2552,7 +2552,7 @@
           <a:p>
             <a:fld id="{1FDD7528-FECD-40E9-8848-8AC3F286F2C5}" type="datetimeFigureOut">
               <a:rPr lang="en-US" smtClean="0"/>
-              <a:t>8/20/2018</a:t>
+              <a:t>9/6/2018</a:t>
             </a:fld>
             <a:endParaRPr lang="en-US"/>
           </a:p>
@@ -2809,7 +2809,7 @@
           <a:p>
             <a:fld id="{1FDD7528-FECD-40E9-8848-8AC3F286F2C5}" type="datetimeFigureOut">
               <a:rPr lang="en-US" smtClean="0"/>
-              <a:t>8/20/2018</a:t>
+              <a:t>9/6/2018</a:t>
             </a:fld>
             <a:endParaRPr lang="en-US"/>
           </a:p>
@@ -3022,7 +3022,7 @@
           <a:p>
             <a:fld id="{1FDD7528-FECD-40E9-8848-8AC3F286F2C5}" type="datetimeFigureOut">
               <a:rPr lang="en-US" smtClean="0"/>
-              <a:t>8/20/2018</a:t>
+              <a:t>9/6/2018</a:t>
             </a:fld>
             <a:endParaRPr lang="en-US"/>
           </a:p>
@@ -3593,7 +3593,7 @@
                 </a:solidFill>
                 <a:latin typeface="Berlin Sans FB" panose="020E0602020502020306" pitchFamily="34" charset="0"/>
               </a:rPr>
-              <a:t>Valid August 1 – August 31, 2018</a:t>
+              <a:t>Valid September 1 – September 30, 2018</a:t>
             </a:r>
           </a:p>
           <a:p>
@@ -3835,31 +3835,7 @@
                 </a:solidFill>
                 <a:latin typeface="Berlin Sans FB" panose="020E0602020502020306" pitchFamily="34" charset="0"/>
               </a:rPr>
-              <a:t>Valid August 1 </a:t>
-            </a:r>
-            <a:r>
-              <a:rPr lang="en-US" sz="1400">
-                <a:solidFill>
-                  <a:schemeClr val="tx1">
-                    <a:lumMod val="75000"/>
-                    <a:lumOff val="25000"/>
-                  </a:schemeClr>
-                </a:solidFill>
-                <a:latin typeface="Berlin Sans FB" panose="020E0602020502020306" pitchFamily="34" charset="0"/>
-              </a:rPr>
-              <a:t>– August 31, </a:t>
-            </a:r>
-            <a:r>
-              <a:rPr lang="en-US" sz="1400" dirty="0">
-                <a:solidFill>
-                  <a:schemeClr val="tx1">
-                    <a:lumMod val="75000"/>
-                    <a:lumOff val="25000"/>
-                  </a:schemeClr>
-                </a:solidFill>
-                <a:latin typeface="Berlin Sans FB" panose="020E0602020502020306" pitchFamily="34" charset="0"/>
-              </a:rPr>
-              <a:t>2018</a:t>
+              <a:t>Valid September 1 – September 30, 2018</a:t>
             </a:r>
           </a:p>
           <a:p>

--- a/parking-pass.pptx
+++ b/parking-pass.pptx
@@ -11,7 +11,7 @@
     <p:sldId id="256" r:id="rId2"/>
   </p:sldIdLst>
   <p:sldSz cx="7315200" cy="9601200"/>
-  <p:notesSz cx="6858000" cy="9144000"/>
+  <p:notesSz cx="7315200" cy="9601200"/>
   <p:defaultTextStyle>
     <a:defPPr>
       <a:defRPr lang="en-US"/>
@@ -126,10 +126,6 @@
 </p:presentation>
 </file>
 
-<file path=ppt/revisionInfo.xml><?xml version="1.0" encoding="utf-8"?>
-<p1510:revInfo xmlns:a="http://schemas.openxmlformats.org/drawingml/2006/main" xmlns:r="http://schemas.openxmlformats.org/officeDocument/2006/relationships" xmlns:p1510="http://schemas.microsoft.com/office/powerpoint/2015/10/main"/>
-</file>
-
 <file path=ppt/notesMasters/notesMaster1.xml><?xml version="1.0" encoding="utf-8"?>
 <p:notesMaster xmlns:a="http://schemas.openxmlformats.org/drawingml/2006/main" xmlns:r="http://schemas.openxmlformats.org/officeDocument/2006/relationships" xmlns:p="http://schemas.openxmlformats.org/presentationml/2006/main">
   <p:cSld>
@@ -165,17 +161,17 @@
         <p:spPr>
           <a:xfrm>
             <a:off x="0" y="0"/>
-            <a:ext cx="2972098" cy="458108"/>
+            <a:ext cx="3170238" cy="481013"/>
           </a:xfrm>
           <a:prstGeom prst="rect">
             <a:avLst/>
           </a:prstGeom>
         </p:spPr>
         <p:txBody>
-          <a:bodyPr vert="horz" lIns="86493" tIns="43247" rIns="86493" bIns="43247" rtlCol="0"/>
+          <a:bodyPr vert="horz" lIns="91432" tIns="45716" rIns="91432" bIns="45716" rtlCol="0"/>
           <a:lstStyle>
             <a:lvl1pPr algn="l">
-              <a:defRPr sz="1100"/>
+              <a:defRPr sz="1200"/>
             </a:lvl1pPr>
           </a:lstStyle>
           <a:p>
@@ -195,24 +191,24 @@
         </p:nvSpPr>
         <p:spPr>
           <a:xfrm>
-            <a:off x="3884414" y="0"/>
-            <a:ext cx="2972098" cy="458108"/>
+            <a:off x="4143375" y="0"/>
+            <a:ext cx="3170238" cy="481013"/>
           </a:xfrm>
           <a:prstGeom prst="rect">
             <a:avLst/>
           </a:prstGeom>
         </p:spPr>
         <p:txBody>
-          <a:bodyPr vert="horz" lIns="86493" tIns="43247" rIns="86493" bIns="43247" rtlCol="0"/>
+          <a:bodyPr vert="horz" lIns="91432" tIns="45716" rIns="91432" bIns="45716" rtlCol="0"/>
           <a:lstStyle>
             <a:lvl1pPr algn="r">
-              <a:defRPr sz="1100"/>
+              <a:defRPr sz="1200"/>
             </a:lvl1pPr>
           </a:lstStyle>
           <a:p>
             <a:fld id="{B9885196-91AC-474B-9CEB-56F8EDAD53EB}" type="datetimeFigureOut">
               <a:rPr lang="en-US" smtClean="0"/>
-              <a:t>9/6/2018</a:t>
+              <a:t>12/6/2018</a:t>
             </a:fld>
             <a:endParaRPr lang="en-US"/>
           </a:p>
@@ -230,8 +226,8 @@
         </p:nvSpPr>
         <p:spPr>
           <a:xfrm>
-            <a:off x="2254250" y="1143000"/>
-            <a:ext cx="2349500" cy="3086100"/>
+            <a:off x="2422525" y="1200150"/>
+            <a:ext cx="2470150" cy="3240088"/>
           </a:xfrm>
           <a:prstGeom prst="rect">
             <a:avLst/>
@@ -244,7 +240,7 @@
           </a:ln>
         </p:spPr>
         <p:txBody>
-          <a:bodyPr vert="horz" lIns="86493" tIns="43247" rIns="86493" bIns="43247" rtlCol="0" anchor="ctr"/>
+          <a:bodyPr vert="horz" lIns="91432" tIns="45716" rIns="91432" bIns="45716" rtlCol="0" anchor="ctr"/>
           <a:lstStyle/>
           <a:p>
             <a:endParaRPr lang="en-US"/>
@@ -263,15 +259,15 @@
         </p:nvSpPr>
         <p:spPr>
           <a:xfrm>
-            <a:off x="686098" y="4401156"/>
-            <a:ext cx="5485805" cy="3599845"/>
+            <a:off x="731839" y="4621214"/>
+            <a:ext cx="5851525" cy="3779837"/>
           </a:xfrm>
           <a:prstGeom prst="rect">
             <a:avLst/>
           </a:prstGeom>
         </p:spPr>
         <p:txBody>
-          <a:bodyPr vert="horz" lIns="86493" tIns="43247" rIns="86493" bIns="43247" rtlCol="0"/>
+          <a:bodyPr vert="horz" lIns="91432" tIns="45716" rIns="91432" bIns="45716" rtlCol="0"/>
           <a:lstStyle/>
           <a:p>
             <a:pPr lvl="0"/>
@@ -322,18 +318,18 @@
         </p:nvSpPr>
         <p:spPr>
           <a:xfrm>
-            <a:off x="0" y="8685893"/>
-            <a:ext cx="2972098" cy="458107"/>
+            <a:off x="0" y="9120188"/>
+            <a:ext cx="3170238" cy="481012"/>
           </a:xfrm>
           <a:prstGeom prst="rect">
             <a:avLst/>
           </a:prstGeom>
         </p:spPr>
         <p:txBody>
-          <a:bodyPr vert="horz" lIns="86493" tIns="43247" rIns="86493" bIns="43247" rtlCol="0" anchor="b"/>
+          <a:bodyPr vert="horz" lIns="91432" tIns="45716" rIns="91432" bIns="45716" rtlCol="0" anchor="b"/>
           <a:lstStyle>
             <a:lvl1pPr algn="l">
-              <a:defRPr sz="1100"/>
+              <a:defRPr sz="1200"/>
             </a:lvl1pPr>
           </a:lstStyle>
           <a:p>
@@ -353,18 +349,18 @@
         </p:nvSpPr>
         <p:spPr>
           <a:xfrm>
-            <a:off x="3884414" y="8685893"/>
-            <a:ext cx="2972098" cy="458107"/>
+            <a:off x="4143375" y="9120188"/>
+            <a:ext cx="3170238" cy="481012"/>
           </a:xfrm>
           <a:prstGeom prst="rect">
             <a:avLst/>
           </a:prstGeom>
         </p:spPr>
         <p:txBody>
-          <a:bodyPr vert="horz" lIns="86493" tIns="43247" rIns="86493" bIns="43247" rtlCol="0" anchor="b"/>
+          <a:bodyPr vert="horz" lIns="91432" tIns="45716" rIns="91432" bIns="45716" rtlCol="0" anchor="b"/>
           <a:lstStyle>
             <a:lvl1pPr algn="r">
-              <a:defRPr sz="1100"/>
+              <a:defRPr sz="1200"/>
             </a:lvl1pPr>
           </a:lstStyle>
           <a:p>
@@ -508,8 +504,8 @@
         </p:nvSpPr>
         <p:spPr>
           <a:xfrm>
-            <a:off x="2252663" y="1143000"/>
-            <a:ext cx="2352675" cy="3086100"/>
+            <a:off x="2422525" y="1200150"/>
+            <a:ext cx="2470150" cy="3240088"/>
           </a:xfrm>
         </p:spPr>
       </p:sp>
@@ -699,7 +695,7 @@
           <a:p>
             <a:fld id="{1FDD7528-FECD-40E9-8848-8AC3F286F2C5}" type="datetimeFigureOut">
               <a:rPr lang="en-US" smtClean="0"/>
-              <a:t>9/6/2018</a:t>
+              <a:t>12/6/2018</a:t>
             </a:fld>
             <a:endParaRPr lang="en-US"/>
           </a:p>
@@ -869,7 +865,7 @@
           <a:p>
             <a:fld id="{1FDD7528-FECD-40E9-8848-8AC3F286F2C5}" type="datetimeFigureOut">
               <a:rPr lang="en-US" smtClean="0"/>
-              <a:t>9/6/2018</a:t>
+              <a:t>12/6/2018</a:t>
             </a:fld>
             <a:endParaRPr lang="en-US"/>
           </a:p>
@@ -1049,7 +1045,7 @@
           <a:p>
             <a:fld id="{1FDD7528-FECD-40E9-8848-8AC3F286F2C5}" type="datetimeFigureOut">
               <a:rPr lang="en-US" smtClean="0"/>
-              <a:t>9/6/2018</a:t>
+              <a:t>12/6/2018</a:t>
             </a:fld>
             <a:endParaRPr lang="en-US"/>
           </a:p>
@@ -1219,7 +1215,7 @@
           <a:p>
             <a:fld id="{1FDD7528-FECD-40E9-8848-8AC3F286F2C5}" type="datetimeFigureOut">
               <a:rPr lang="en-US" smtClean="0"/>
-              <a:t>9/6/2018</a:t>
+              <a:t>12/6/2018</a:t>
             </a:fld>
             <a:endParaRPr lang="en-US"/>
           </a:p>
@@ -1463,7 +1459,7 @@
           <a:p>
             <a:fld id="{1FDD7528-FECD-40E9-8848-8AC3F286F2C5}" type="datetimeFigureOut">
               <a:rPr lang="en-US" smtClean="0"/>
-              <a:t>9/6/2018</a:t>
+              <a:t>12/6/2018</a:t>
             </a:fld>
             <a:endParaRPr lang="en-US"/>
           </a:p>
@@ -1695,7 +1691,7 @@
           <a:p>
             <a:fld id="{1FDD7528-FECD-40E9-8848-8AC3F286F2C5}" type="datetimeFigureOut">
               <a:rPr lang="en-US" smtClean="0"/>
-              <a:t>9/6/2018</a:t>
+              <a:t>12/6/2018</a:t>
             </a:fld>
             <a:endParaRPr lang="en-US"/>
           </a:p>
@@ -2062,7 +2058,7 @@
           <a:p>
             <a:fld id="{1FDD7528-FECD-40E9-8848-8AC3F286F2C5}" type="datetimeFigureOut">
               <a:rPr lang="en-US" smtClean="0"/>
-              <a:t>9/6/2018</a:t>
+              <a:t>12/6/2018</a:t>
             </a:fld>
             <a:endParaRPr lang="en-US"/>
           </a:p>
@@ -2180,7 +2176,7 @@
           <a:p>
             <a:fld id="{1FDD7528-FECD-40E9-8848-8AC3F286F2C5}" type="datetimeFigureOut">
               <a:rPr lang="en-US" smtClean="0"/>
-              <a:t>9/6/2018</a:t>
+              <a:t>12/6/2018</a:t>
             </a:fld>
             <a:endParaRPr lang="en-US"/>
           </a:p>
@@ -2275,7 +2271,7 @@
           <a:p>
             <a:fld id="{1FDD7528-FECD-40E9-8848-8AC3F286F2C5}" type="datetimeFigureOut">
               <a:rPr lang="en-US" smtClean="0"/>
-              <a:t>9/6/2018</a:t>
+              <a:t>12/6/2018</a:t>
             </a:fld>
             <a:endParaRPr lang="en-US"/>
           </a:p>
@@ -2552,7 +2548,7 @@
           <a:p>
             <a:fld id="{1FDD7528-FECD-40E9-8848-8AC3F286F2C5}" type="datetimeFigureOut">
               <a:rPr lang="en-US" smtClean="0"/>
-              <a:t>9/6/2018</a:t>
+              <a:t>12/6/2018</a:t>
             </a:fld>
             <a:endParaRPr lang="en-US"/>
           </a:p>
@@ -2809,7 +2805,7 @@
           <a:p>
             <a:fld id="{1FDD7528-FECD-40E9-8848-8AC3F286F2C5}" type="datetimeFigureOut">
               <a:rPr lang="en-US" smtClean="0"/>
-              <a:t>9/6/2018</a:t>
+              <a:t>12/6/2018</a:t>
             </a:fld>
             <a:endParaRPr lang="en-US"/>
           </a:p>
@@ -3022,7 +3018,7 @@
           <a:p>
             <a:fld id="{1FDD7528-FECD-40E9-8848-8AC3F286F2C5}" type="datetimeFigureOut">
               <a:rPr lang="en-US" smtClean="0"/>
-              <a:t>9/6/2018</a:t>
+              <a:t>12/6/2018</a:t>
             </a:fld>
             <a:endParaRPr lang="en-US"/>
           </a:p>
@@ -3583,18 +3579,15 @@
           </a:p>
           <a:p>
             <a:pPr algn="ctr"/>
-            <a:r>
-              <a:rPr lang="en-US" sz="1400" dirty="0">
-                <a:solidFill>
-                  <a:schemeClr val="tx1">
-                    <a:lumMod val="75000"/>
-                    <a:lumOff val="25000"/>
-                  </a:schemeClr>
-                </a:solidFill>
-                <a:latin typeface="Berlin Sans FB" panose="020E0602020502020306" pitchFamily="34" charset="0"/>
-              </a:rPr>
-              <a:t>Valid September 1 – September 30, 2018</a:t>
-            </a:r>
+            <a:endParaRPr lang="en-US" sz="1400" dirty="0">
+              <a:solidFill>
+                <a:schemeClr val="tx1">
+                  <a:lumMod val="75000"/>
+                  <a:lumOff val="25000"/>
+                </a:schemeClr>
+              </a:solidFill>
+              <a:latin typeface="Berlin Sans FB" panose="020E0602020502020306" pitchFamily="34" charset="0"/>
+            </a:endParaRPr>
           </a:p>
           <a:p>
             <a:pPr algn="ctr"/>
@@ -3825,6 +3818,30 @@
           </a:p>
           <a:p>
             <a:pPr algn="ctr"/>
+            <a:endParaRPr lang="en-US" sz="1400">
+              <a:solidFill>
+                <a:schemeClr val="tx1">
+                  <a:lumMod val="75000"/>
+                  <a:lumOff val="25000"/>
+                </a:schemeClr>
+              </a:solidFill>
+              <a:latin typeface="Berlin Sans FB" panose="020E0602020502020306" pitchFamily="34" charset="0"/>
+            </a:endParaRPr>
+          </a:p>
+          <a:p>
+            <a:pPr algn="ctr"/>
+            <a:r>
+              <a:rPr lang="en-US" sz="1400">
+                <a:solidFill>
+                  <a:schemeClr val="tx1">
+                    <a:lumMod val="75000"/>
+                    <a:lumOff val="25000"/>
+                  </a:schemeClr>
+                </a:solidFill>
+                <a:latin typeface="Berlin Sans FB" panose="020E0602020502020306" pitchFamily="34" charset="0"/>
+              </a:rPr>
+              <a:t>Note</a:t>
+            </a:r>
             <a:r>
               <a:rPr lang="en-US" sz="1400" dirty="0">
                 <a:solidFill>
@@ -3835,22 +3852,7 @@
                 </a:solidFill>
                 <a:latin typeface="Berlin Sans FB" panose="020E0602020502020306" pitchFamily="34" charset="0"/>
               </a:rPr>
-              <a:t>Valid September 1 – September 30, 2018</a:t>
-            </a:r>
-          </a:p>
-          <a:p>
-            <a:pPr algn="ctr"/>
-            <a:r>
-              <a:rPr lang="en-US" sz="1400" dirty="0">
-                <a:solidFill>
-                  <a:schemeClr val="tx1">
-                    <a:lumMod val="75000"/>
-                    <a:lumOff val="25000"/>
-                  </a:schemeClr>
-                </a:solidFill>
-                <a:latin typeface="Berlin Sans FB" panose="020E0602020502020306" pitchFamily="34" charset="0"/>
-              </a:rPr>
-              <a:t>Note: Place this pass on your car dashboard, facing up.</a:t>
+              <a:t>: Place this pass on your car dashboard, facing up.</a:t>
             </a:r>
           </a:p>
         </p:txBody>

--- a/parking-pass.pptx
+++ b/parking-pass.pptx
@@ -11,7 +11,7 @@
     <p:sldId id="256" r:id="rId2"/>
   </p:sldIdLst>
   <p:sldSz cx="7315200" cy="9601200"/>
-  <p:notesSz cx="7315200" cy="9601200"/>
+  <p:notesSz cx="6858000" cy="9144000"/>
   <p:defaultTextStyle>
     <a:defPPr>
       <a:defRPr lang="en-US"/>
@@ -161,17 +161,17 @@
         <p:spPr>
           <a:xfrm>
             <a:off x="0" y="0"/>
-            <a:ext cx="3170238" cy="481013"/>
+            <a:ext cx="2972098" cy="458108"/>
           </a:xfrm>
           <a:prstGeom prst="rect">
             <a:avLst/>
           </a:prstGeom>
         </p:spPr>
         <p:txBody>
-          <a:bodyPr vert="horz" lIns="91432" tIns="45716" rIns="91432" bIns="45716" rtlCol="0"/>
+          <a:bodyPr vert="horz" lIns="86493" tIns="43247" rIns="86493" bIns="43247" rtlCol="0"/>
           <a:lstStyle>
             <a:lvl1pPr algn="l">
-              <a:defRPr sz="1200"/>
+              <a:defRPr sz="1100"/>
             </a:lvl1pPr>
           </a:lstStyle>
           <a:p>
@@ -191,24 +191,24 @@
         </p:nvSpPr>
         <p:spPr>
           <a:xfrm>
-            <a:off x="4143375" y="0"/>
-            <a:ext cx="3170238" cy="481013"/>
+            <a:off x="3884414" y="0"/>
+            <a:ext cx="2972098" cy="458108"/>
           </a:xfrm>
           <a:prstGeom prst="rect">
             <a:avLst/>
           </a:prstGeom>
         </p:spPr>
         <p:txBody>
-          <a:bodyPr vert="horz" lIns="91432" tIns="45716" rIns="91432" bIns="45716" rtlCol="0"/>
+          <a:bodyPr vert="horz" lIns="86493" tIns="43247" rIns="86493" bIns="43247" rtlCol="0"/>
           <a:lstStyle>
             <a:lvl1pPr algn="r">
-              <a:defRPr sz="1200"/>
+              <a:defRPr sz="1100"/>
             </a:lvl1pPr>
           </a:lstStyle>
           <a:p>
             <a:fld id="{B9885196-91AC-474B-9CEB-56F8EDAD53EB}" type="datetimeFigureOut">
               <a:rPr lang="en-US" smtClean="0"/>
-              <a:t>12/6/2018</a:t>
+              <a:t>1/10/2019</a:t>
             </a:fld>
             <a:endParaRPr lang="en-US"/>
           </a:p>
@@ -226,8 +226,8 @@
         </p:nvSpPr>
         <p:spPr>
           <a:xfrm>
-            <a:off x="2422525" y="1200150"/>
-            <a:ext cx="2470150" cy="3240088"/>
+            <a:off x="2254250" y="1143000"/>
+            <a:ext cx="2349500" cy="3086100"/>
           </a:xfrm>
           <a:prstGeom prst="rect">
             <a:avLst/>
@@ -240,7 +240,7 @@
           </a:ln>
         </p:spPr>
         <p:txBody>
-          <a:bodyPr vert="horz" lIns="91432" tIns="45716" rIns="91432" bIns="45716" rtlCol="0" anchor="ctr"/>
+          <a:bodyPr vert="horz" lIns="86493" tIns="43247" rIns="86493" bIns="43247" rtlCol="0" anchor="ctr"/>
           <a:lstStyle/>
           <a:p>
             <a:endParaRPr lang="en-US"/>
@@ -259,15 +259,15 @@
         </p:nvSpPr>
         <p:spPr>
           <a:xfrm>
-            <a:off x="731839" y="4621214"/>
-            <a:ext cx="5851525" cy="3779837"/>
+            <a:off x="686098" y="4401156"/>
+            <a:ext cx="5485805" cy="3599845"/>
           </a:xfrm>
           <a:prstGeom prst="rect">
             <a:avLst/>
           </a:prstGeom>
         </p:spPr>
         <p:txBody>
-          <a:bodyPr vert="horz" lIns="91432" tIns="45716" rIns="91432" bIns="45716" rtlCol="0"/>
+          <a:bodyPr vert="horz" lIns="86493" tIns="43247" rIns="86493" bIns="43247" rtlCol="0"/>
           <a:lstStyle/>
           <a:p>
             <a:pPr lvl="0"/>
@@ -318,18 +318,18 @@
         </p:nvSpPr>
         <p:spPr>
           <a:xfrm>
-            <a:off x="0" y="9120188"/>
-            <a:ext cx="3170238" cy="481012"/>
+            <a:off x="0" y="8685893"/>
+            <a:ext cx="2972098" cy="458107"/>
           </a:xfrm>
           <a:prstGeom prst="rect">
             <a:avLst/>
           </a:prstGeom>
         </p:spPr>
         <p:txBody>
-          <a:bodyPr vert="horz" lIns="91432" tIns="45716" rIns="91432" bIns="45716" rtlCol="0" anchor="b"/>
+          <a:bodyPr vert="horz" lIns="86493" tIns="43247" rIns="86493" bIns="43247" rtlCol="0" anchor="b"/>
           <a:lstStyle>
             <a:lvl1pPr algn="l">
-              <a:defRPr sz="1200"/>
+              <a:defRPr sz="1100"/>
             </a:lvl1pPr>
           </a:lstStyle>
           <a:p>
@@ -349,18 +349,18 @@
         </p:nvSpPr>
         <p:spPr>
           <a:xfrm>
-            <a:off x="4143375" y="9120188"/>
-            <a:ext cx="3170238" cy="481012"/>
+            <a:off x="3884414" y="8685893"/>
+            <a:ext cx="2972098" cy="458107"/>
           </a:xfrm>
           <a:prstGeom prst="rect">
             <a:avLst/>
           </a:prstGeom>
         </p:spPr>
         <p:txBody>
-          <a:bodyPr vert="horz" lIns="91432" tIns="45716" rIns="91432" bIns="45716" rtlCol="0" anchor="b"/>
+          <a:bodyPr vert="horz" lIns="86493" tIns="43247" rIns="86493" bIns="43247" rtlCol="0" anchor="b"/>
           <a:lstStyle>
             <a:lvl1pPr algn="r">
-              <a:defRPr sz="1200"/>
+              <a:defRPr sz="1100"/>
             </a:lvl1pPr>
           </a:lstStyle>
           <a:p>
@@ -504,8 +504,8 @@
         </p:nvSpPr>
         <p:spPr>
           <a:xfrm>
-            <a:off x="2422525" y="1200150"/>
-            <a:ext cx="2470150" cy="3240088"/>
+            <a:off x="2252663" y="1143000"/>
+            <a:ext cx="2352675" cy="3086100"/>
           </a:xfrm>
         </p:spPr>
       </p:sp>
@@ -695,7 +695,7 @@
           <a:p>
             <a:fld id="{1FDD7528-FECD-40E9-8848-8AC3F286F2C5}" type="datetimeFigureOut">
               <a:rPr lang="en-US" smtClean="0"/>
-              <a:t>12/6/2018</a:t>
+              <a:t>1/10/2019</a:t>
             </a:fld>
             <a:endParaRPr lang="en-US"/>
           </a:p>
@@ -865,7 +865,7 @@
           <a:p>
             <a:fld id="{1FDD7528-FECD-40E9-8848-8AC3F286F2C5}" type="datetimeFigureOut">
               <a:rPr lang="en-US" smtClean="0"/>
-              <a:t>12/6/2018</a:t>
+              <a:t>1/10/2019</a:t>
             </a:fld>
             <a:endParaRPr lang="en-US"/>
           </a:p>
@@ -1045,7 +1045,7 @@
           <a:p>
             <a:fld id="{1FDD7528-FECD-40E9-8848-8AC3F286F2C5}" type="datetimeFigureOut">
               <a:rPr lang="en-US" smtClean="0"/>
-              <a:t>12/6/2018</a:t>
+              <a:t>1/10/2019</a:t>
             </a:fld>
             <a:endParaRPr lang="en-US"/>
           </a:p>
@@ -1215,7 +1215,7 @@
           <a:p>
             <a:fld id="{1FDD7528-FECD-40E9-8848-8AC3F286F2C5}" type="datetimeFigureOut">
               <a:rPr lang="en-US" smtClean="0"/>
-              <a:t>12/6/2018</a:t>
+              <a:t>1/10/2019</a:t>
             </a:fld>
             <a:endParaRPr lang="en-US"/>
           </a:p>
@@ -1459,7 +1459,7 @@
           <a:p>
             <a:fld id="{1FDD7528-FECD-40E9-8848-8AC3F286F2C5}" type="datetimeFigureOut">
               <a:rPr lang="en-US" smtClean="0"/>
-              <a:t>12/6/2018</a:t>
+              <a:t>1/10/2019</a:t>
             </a:fld>
             <a:endParaRPr lang="en-US"/>
           </a:p>
@@ -1691,7 +1691,7 @@
           <a:p>
             <a:fld id="{1FDD7528-FECD-40E9-8848-8AC3F286F2C5}" type="datetimeFigureOut">
               <a:rPr lang="en-US" smtClean="0"/>
-              <a:t>12/6/2018</a:t>
+              <a:t>1/10/2019</a:t>
             </a:fld>
             <a:endParaRPr lang="en-US"/>
           </a:p>
@@ -2058,7 +2058,7 @@
           <a:p>
             <a:fld id="{1FDD7528-FECD-40E9-8848-8AC3F286F2C5}" type="datetimeFigureOut">
               <a:rPr lang="en-US" smtClean="0"/>
-              <a:t>12/6/2018</a:t>
+              <a:t>1/10/2019</a:t>
             </a:fld>
             <a:endParaRPr lang="en-US"/>
           </a:p>
@@ -2176,7 +2176,7 @@
           <a:p>
             <a:fld id="{1FDD7528-FECD-40E9-8848-8AC3F286F2C5}" type="datetimeFigureOut">
               <a:rPr lang="en-US" smtClean="0"/>
-              <a:t>12/6/2018</a:t>
+              <a:t>1/10/2019</a:t>
             </a:fld>
             <a:endParaRPr lang="en-US"/>
           </a:p>
@@ -2271,7 +2271,7 @@
           <a:p>
             <a:fld id="{1FDD7528-FECD-40E9-8848-8AC3F286F2C5}" type="datetimeFigureOut">
               <a:rPr lang="en-US" smtClean="0"/>
-              <a:t>12/6/2018</a:t>
+              <a:t>1/10/2019</a:t>
             </a:fld>
             <a:endParaRPr lang="en-US"/>
           </a:p>
@@ -2548,7 +2548,7 @@
           <a:p>
             <a:fld id="{1FDD7528-FECD-40E9-8848-8AC3F286F2C5}" type="datetimeFigureOut">
               <a:rPr lang="en-US" smtClean="0"/>
-              <a:t>12/6/2018</a:t>
+              <a:t>1/10/2019</a:t>
             </a:fld>
             <a:endParaRPr lang="en-US"/>
           </a:p>
@@ -2805,7 +2805,7 @@
           <a:p>
             <a:fld id="{1FDD7528-FECD-40E9-8848-8AC3F286F2C5}" type="datetimeFigureOut">
               <a:rPr lang="en-US" smtClean="0"/>
-              <a:t>12/6/2018</a:t>
+              <a:t>1/10/2019</a:t>
             </a:fld>
             <a:endParaRPr lang="en-US"/>
           </a:p>
@@ -3018,7 +3018,7 @@
           <a:p>
             <a:fld id="{1FDD7528-FECD-40E9-8848-8AC3F286F2C5}" type="datetimeFigureOut">
               <a:rPr lang="en-US" smtClean="0"/>
-              <a:t>12/6/2018</a:t>
+              <a:t>1/10/2019</a:t>
             </a:fld>
             <a:endParaRPr lang="en-US"/>
           </a:p>
@@ -3513,8 +3513,8 @@
         </p:nvSpPr>
         <p:spPr>
           <a:xfrm>
-            <a:off x="550829" y="2944361"/>
-            <a:ext cx="6213560" cy="1631216"/>
+            <a:off x="576477" y="2944361"/>
+            <a:ext cx="6162264" cy="1415772"/>
           </a:xfrm>
           <a:prstGeom prst="rect">
             <a:avLst/>
@@ -3568,18 +3568,6 @@
           <a:p>
             <a:pPr algn="ctr"/>
             <a:endParaRPr lang="en-US" sz="2000" dirty="0">
-              <a:solidFill>
-                <a:schemeClr val="tx1">
-                  <a:lumMod val="75000"/>
-                  <a:lumOff val="25000"/>
-                </a:schemeClr>
-              </a:solidFill>
-              <a:latin typeface="Berlin Sans FB" panose="020E0602020502020306" pitchFamily="34" charset="0"/>
-            </a:endParaRPr>
-          </a:p>
-          <a:p>
-            <a:pPr algn="ctr"/>
-            <a:endParaRPr lang="en-US" sz="1400" dirty="0">
               <a:solidFill>
                 <a:schemeClr val="tx1">
                   <a:lumMod val="75000"/>
@@ -3752,8 +3740,8 @@
         </p:nvSpPr>
         <p:spPr>
           <a:xfrm>
-            <a:off x="556926" y="7839449"/>
-            <a:ext cx="6213560" cy="1631216"/>
+            <a:off x="582574" y="7839449"/>
+            <a:ext cx="6162264" cy="1415772"/>
           </a:xfrm>
           <a:prstGeom prst="rect">
             <a:avLst/>
@@ -3807,18 +3795,6 @@
           <a:p>
             <a:pPr algn="ctr"/>
             <a:endParaRPr lang="en-US" sz="2000" dirty="0">
-              <a:solidFill>
-                <a:schemeClr val="tx1">
-                  <a:lumMod val="75000"/>
-                  <a:lumOff val="25000"/>
-                </a:schemeClr>
-              </a:solidFill>
-              <a:latin typeface="Berlin Sans FB" panose="020E0602020502020306" pitchFamily="34" charset="0"/>
-            </a:endParaRPr>
-          </a:p>
-          <a:p>
-            <a:pPr algn="ctr"/>
-            <a:endParaRPr lang="en-US" sz="1400">
               <a:solidFill>
                 <a:schemeClr val="tx1">
                   <a:lumMod val="75000"/>
